--- a/pptx/Revue2final.pptx
+++ b/pptx/Revue2final.pptx
@@ -18022,7 +18022,7 @@
         </p:blipFill>
         <p:spPr>
           <a:xfrm>
-            <a:off x="0" y="1348928"/>
+            <a:off x="0" y="1151860"/>
             <a:ext cx="12192000" cy="5706140"/>
           </a:xfrm>
           <a:prstGeom prst="rect">
